--- a/Aula 09/G10 - Apresentacao - Lab09.pptx
+++ b/Aula 09/G10 - Apresentacao - Lab09.pptx
@@ -123,7 +123,7 @@
   </p:defaultTextStyle>
   <p:extLst>
     <p:ext uri="{EFAFB233-063F-42B5-8137-9DF3F51BA10A}">
-      <p15:sldGuideLst xmlns="" xmlns:p15="http://schemas.microsoft.com/office/powerpoint/2012/main">
+      <p15:sldGuideLst xmlns:p15="http://schemas.microsoft.com/office/powerpoint/2012/main">
         <p15:guide id="1" orient="horz" pos="2160">
           <p15:clr>
             <a:srgbClr val="A4A3A4"/>
@@ -222,7 +222,7 @@
           <a:p>
             <a:fld id="{A0410F9C-3A27-C84F-B27D-9342140F08DB}" type="datetimeFigureOut">
               <a:rPr lang="pt-PT" smtClean="0"/>
-              <a:t>27-11-2015</a:t>
+              <a:t>27/11/15</a:t>
             </a:fld>
             <a:endParaRPr lang="pt-PT"/>
           </a:p>
@@ -381,7 +381,7 @@
           <a:p>
             <a:fld id="{9886E254-ACB4-B240-BB93-3D6DFACA42BA}" type="slidenum">
               <a:rPr lang="pt-PT" smtClean="0"/>
-              <a:t>‹#›</a:t>
+              <a:t>‹nº›</a:t>
             </a:fld>
             <a:endParaRPr lang="pt-PT"/>
           </a:p>
@@ -775,7 +775,7 @@
           <a:p>
             <a:fld id="{D728701E-CAF4-4159-9B3E-41C86DFFA30D}" type="datetimeFigureOut">
               <a:rPr lang="en-US" smtClean="0"/>
-              <a:t>27-Nov-15</a:t>
+              <a:t>11/27/15</a:t>
             </a:fld>
             <a:endParaRPr lang="en-US"/>
           </a:p>
@@ -1229,7 +1229,7 @@
           <a:p>
             <a:fld id="{D728701E-CAF4-4159-9B3E-41C86DFFA30D}" type="datetimeFigureOut">
               <a:rPr lang="en-US" smtClean="0"/>
-              <a:t>27-Nov-15</a:t>
+              <a:t>11/27/15</a:t>
             </a:fld>
             <a:endParaRPr lang="en-US"/>
           </a:p>
@@ -1271,7 +1271,7 @@
           <a:p>
             <a:fld id="{162F1D00-BD13-4404-86B0-79703945A0A7}" type="slidenum">
               <a:rPr lang="en-US" smtClean="0"/>
-              <a:t>‹#›</a:t>
+              <a:t>‹nº›</a:t>
             </a:fld>
             <a:endParaRPr lang="en-US"/>
           </a:p>
@@ -1772,7 +1772,7 @@
           <a:p>
             <a:fld id="{D728701E-CAF4-4159-9B3E-41C86DFFA30D}" type="datetimeFigureOut">
               <a:rPr lang="en-US" smtClean="0"/>
-              <a:t>27-Nov-15</a:t>
+              <a:t>11/27/15</a:t>
             </a:fld>
             <a:endParaRPr lang="en-US"/>
           </a:p>
@@ -1814,7 +1814,7 @@
           <a:p>
             <a:fld id="{162F1D00-BD13-4404-86B0-79703945A0A7}" type="slidenum">
               <a:rPr lang="en-US" smtClean="0"/>
-              <a:t>‹#›</a:t>
+              <a:t>‹nº›</a:t>
             </a:fld>
             <a:endParaRPr lang="en-US"/>
           </a:p>
@@ -1908,7 +1908,7 @@
           <a:p>
             <a:fld id="{D728701E-CAF4-4159-9B3E-41C86DFFA30D}" type="datetimeFigureOut">
               <a:rPr lang="en-US" smtClean="0"/>
-              <a:t>27-Nov-15</a:t>
+              <a:t>11/27/15</a:t>
             </a:fld>
             <a:endParaRPr lang="en-US"/>
           </a:p>
@@ -1950,7 +1950,7 @@
           <a:p>
             <a:fld id="{162F1D00-BD13-4404-86B0-79703945A0A7}" type="slidenum">
               <a:rPr lang="en-US" smtClean="0"/>
-              <a:t>‹#›</a:t>
+              <a:t>‹nº›</a:t>
             </a:fld>
             <a:endParaRPr lang="en-US"/>
           </a:p>
@@ -2246,7 +2246,7 @@
           <a:p>
             <a:fld id="{D728701E-CAF4-4159-9B3E-41C86DFFA30D}" type="datetimeFigureOut">
               <a:rPr lang="en-US" smtClean="0"/>
-              <a:t>27-Nov-15</a:t>
+              <a:t>11/27/15</a:t>
             </a:fld>
             <a:endParaRPr lang="en-US"/>
           </a:p>
@@ -2572,7 +2572,7 @@
           <a:p>
             <a:fld id="{D728701E-CAF4-4159-9B3E-41C86DFFA30D}" type="datetimeFigureOut">
               <a:rPr lang="en-US" smtClean="0"/>
-              <a:t>27-Nov-15</a:t>
+              <a:t>11/27/15</a:t>
             </a:fld>
             <a:endParaRPr lang="en-US"/>
           </a:p>
@@ -2619,7 +2619,7 @@
           <a:p>
             <a:fld id="{162F1D00-BD13-4404-86B0-79703945A0A7}" type="slidenum">
               <a:rPr lang="en-US" smtClean="0"/>
-              <a:t>‹#›</a:t>
+              <a:t>‹nº›</a:t>
             </a:fld>
             <a:endParaRPr lang="en-US"/>
           </a:p>
@@ -2870,7 +2870,7 @@
           <a:p>
             <a:fld id="{D728701E-CAF4-4159-9B3E-41C86DFFA30D}" type="datetimeFigureOut">
               <a:rPr lang="en-US" smtClean="0"/>
-              <a:t>27-Nov-15</a:t>
+              <a:t>11/27/15</a:t>
             </a:fld>
             <a:endParaRPr lang="en-US"/>
           </a:p>
@@ -2912,7 +2912,7 @@
           <a:p>
             <a:fld id="{162F1D00-BD13-4404-86B0-79703945A0A7}" type="slidenum">
               <a:rPr lang="en-US" smtClean="0"/>
-              <a:t>‹#›</a:t>
+              <a:t>‹nº›</a:t>
             </a:fld>
             <a:endParaRPr lang="en-US"/>
           </a:p>
@@ -3257,7 +3257,7 @@
           <a:p>
             <a:fld id="{D728701E-CAF4-4159-9B3E-41C86DFFA30D}" type="datetimeFigureOut">
               <a:rPr lang="en-US" smtClean="0"/>
-              <a:t>27-Nov-15</a:t>
+              <a:t>11/27/15</a:t>
             </a:fld>
             <a:endParaRPr lang="en-US"/>
           </a:p>
@@ -3312,7 +3312,7 @@
           <a:p>
             <a:fld id="{162F1D00-BD13-4404-86B0-79703945A0A7}" type="slidenum">
               <a:rPr lang="en-US" smtClean="0"/>
-              <a:t>‹#›</a:t>
+              <a:t>‹nº›</a:t>
             </a:fld>
             <a:endParaRPr lang="en-US"/>
           </a:p>
@@ -3677,7 +3677,7 @@
           <a:p>
             <a:fld id="{D728701E-CAF4-4159-9B3E-41C86DFFA30D}" type="datetimeFigureOut">
               <a:rPr lang="en-US" smtClean="0"/>
-              <a:t>27-Nov-15</a:t>
+              <a:t>11/27/15</a:t>
             </a:fld>
             <a:endParaRPr lang="en-US"/>
           </a:p>
@@ -3732,7 +3732,7 @@
           <a:p>
             <a:fld id="{162F1D00-BD13-4404-86B0-79703945A0A7}" type="slidenum">
               <a:rPr lang="en-US" smtClean="0"/>
-              <a:t>‹#›</a:t>
+              <a:t>‹nº›</a:t>
             </a:fld>
             <a:endParaRPr lang="en-US"/>
           </a:p>
@@ -4225,7 +4225,7 @@
           <a:p>
             <a:fld id="{D728701E-CAF4-4159-9B3E-41C86DFFA30D}" type="datetimeFigureOut">
               <a:rPr lang="en-US" smtClean="0"/>
-              <a:t>27-Nov-15</a:t>
+              <a:t>11/27/15</a:t>
             </a:fld>
             <a:endParaRPr lang="en-US"/>
           </a:p>
@@ -4272,7 +4272,7 @@
           <a:p>
             <a:fld id="{162F1D00-BD13-4404-86B0-79703945A0A7}" type="slidenum">
               <a:rPr lang="en-US" smtClean="0"/>
-              <a:t>‹#›</a:t>
+              <a:t>‹nº›</a:t>
             </a:fld>
             <a:endParaRPr lang="en-US"/>
           </a:p>
@@ -4583,7 +4583,7 @@
           <a:p>
             <a:fld id="{D728701E-CAF4-4159-9B3E-41C86DFFA30D}" type="datetimeFigureOut">
               <a:rPr lang="en-US" smtClean="0"/>
-              <a:t>27-Nov-15</a:t>
+              <a:t>11/27/15</a:t>
             </a:fld>
             <a:endParaRPr lang="en-US"/>
           </a:p>
@@ -4625,7 +4625,7 @@
           <a:p>
             <a:fld id="{162F1D00-BD13-4404-86B0-79703945A0A7}" type="slidenum">
               <a:rPr lang="en-US" smtClean="0"/>
-              <a:t>‹#›</a:t>
+              <a:t>‹nº›</a:t>
             </a:fld>
             <a:endParaRPr lang="en-US"/>
           </a:p>
@@ -4798,7 +4798,7 @@
           <a:p>
             <a:fld id="{D728701E-CAF4-4159-9B3E-41C86DFFA30D}" type="datetimeFigureOut">
               <a:rPr lang="en-US" smtClean="0"/>
-              <a:t>27-Nov-15</a:t>
+              <a:t>11/27/15</a:t>
             </a:fld>
             <a:endParaRPr lang="en-US"/>
           </a:p>
@@ -4840,7 +4840,7 @@
           <a:p>
             <a:fld id="{162F1D00-BD13-4404-86B0-79703945A0A7}" type="slidenum">
               <a:rPr lang="en-US" smtClean="0"/>
-              <a:t>‹#›</a:t>
+              <a:t>‹nº›</a:t>
             </a:fld>
             <a:endParaRPr lang="en-US"/>
           </a:p>
@@ -5105,7 +5105,7 @@
           <a:p>
             <a:fld id="{D728701E-CAF4-4159-9B3E-41C86DFFA30D}" type="datetimeFigureOut">
               <a:rPr lang="en-US" smtClean="0"/>
-              <a:t>27-Nov-15</a:t>
+              <a:t>11/27/15</a:t>
             </a:fld>
             <a:endParaRPr lang="en-US"/>
           </a:p>
@@ -5147,7 +5147,7 @@
           <a:p>
             <a:fld id="{162F1D00-BD13-4404-86B0-79703945A0A7}" type="slidenum">
               <a:rPr lang="en-US" smtClean="0"/>
-              <a:t>‹#›</a:t>
+              <a:t>‹nº›</a:t>
             </a:fld>
             <a:endParaRPr lang="en-US"/>
           </a:p>
@@ -5361,7 +5361,7 @@
           <a:p>
             <a:fld id="{D728701E-CAF4-4159-9B3E-41C86DFFA30D}" type="datetimeFigureOut">
               <a:rPr lang="en-US" smtClean="0"/>
-              <a:t>27-Nov-15</a:t>
+              <a:t>11/27/15</a:t>
             </a:fld>
             <a:endParaRPr lang="en-US"/>
           </a:p>
@@ -5403,7 +5403,7 @@
           <a:p>
             <a:fld id="{162F1D00-BD13-4404-86B0-79703945A0A7}" type="slidenum">
               <a:rPr lang="en-US" smtClean="0"/>
-              <a:t>‹#›</a:t>
+              <a:t>‹nº›</a:t>
             </a:fld>
             <a:endParaRPr lang="en-US"/>
           </a:p>
@@ -5750,7 +5750,7 @@
           <a:p>
             <a:fld id="{D728701E-CAF4-4159-9B3E-41C86DFFA30D}" type="datetimeFigureOut">
               <a:rPr lang="en-US" smtClean="0"/>
-              <a:t>27-Nov-15</a:t>
+              <a:t>11/27/15</a:t>
             </a:fld>
             <a:endParaRPr lang="en-US"/>
           </a:p>
@@ -6339,7 +6339,7 @@
           <a:p>
             <a:fld id="{D728701E-CAF4-4159-9B3E-41C86DFFA30D}" type="datetimeFigureOut">
               <a:rPr lang="en-US" smtClean="0"/>
-              <a:t>27-Nov-15</a:t>
+              <a:t>11/27/15</a:t>
             </a:fld>
             <a:endParaRPr lang="en-US"/>
           </a:p>
@@ -6399,7 +6399,7 @@
           <a:p>
             <a:fld id="{162F1D00-BD13-4404-86B0-79703945A0A7}" type="slidenum">
               <a:rPr lang="en-US" smtClean="0"/>
-              <a:t>‹#›</a:t>
+              <a:t>‹nº›</a:t>
             </a:fld>
             <a:endParaRPr lang="en-US"/>
           </a:p>
@@ -6854,7 +6854,7 @@
           <a:p>
             <a:fld id="{D728701E-CAF4-4159-9B3E-41C86DFFA30D}" type="datetimeFigureOut">
               <a:rPr lang="en-US" smtClean="0"/>
-              <a:t>27-Nov-15</a:t>
+              <a:t>11/27/15</a:t>
             </a:fld>
             <a:endParaRPr lang="en-US"/>
           </a:p>
@@ -6896,7 +6896,7 @@
           <a:p>
             <a:fld id="{162F1D00-BD13-4404-86B0-79703945A0A7}" type="slidenum">
               <a:rPr lang="en-US" smtClean="0"/>
-              <a:t>‹#›</a:t>
+              <a:t>‹nº›</a:t>
             </a:fld>
             <a:endParaRPr lang="en-US"/>
           </a:p>
@@ -7227,7 +7227,7 @@
           <a:p>
             <a:fld id="{D728701E-CAF4-4159-9B3E-41C86DFFA30D}" type="datetimeFigureOut">
               <a:rPr lang="en-US" smtClean="0"/>
-              <a:t>27-Nov-15</a:t>
+              <a:t>11/27/15</a:t>
             </a:fld>
             <a:endParaRPr lang="en-US"/>
           </a:p>
@@ -7269,7 +7269,7 @@
           <a:p>
             <a:fld id="{162F1D00-BD13-4404-86B0-79703945A0A7}" type="slidenum">
               <a:rPr lang="en-US" smtClean="0"/>
-              <a:t>‹#›</a:t>
+              <a:t>‹nº›</a:t>
             </a:fld>
             <a:endParaRPr lang="en-US"/>
           </a:p>
@@ -7626,7 +7626,7 @@
           <a:p>
             <a:fld id="{D728701E-CAF4-4159-9B3E-41C86DFFA30D}" type="datetimeFigureOut">
               <a:rPr lang="en-US" smtClean="0"/>
-              <a:t>27-Nov-15</a:t>
+              <a:t>11/27/15</a:t>
             </a:fld>
             <a:endParaRPr lang="en-US"/>
           </a:p>
@@ -7806,7 +7806,7 @@
           <a:p>
             <a:fld id="{162F1D00-BD13-4404-86B0-79703945A0A7}" type="slidenum">
               <a:rPr lang="en-US" smtClean="0"/>
-              <a:t>‹#›</a:t>
+              <a:t>‹nº›</a:t>
             </a:fld>
             <a:endParaRPr lang="en-US"/>
           </a:p>
@@ -8046,7 +8046,7 @@
           <a:p>
             <a:fld id="{D728701E-CAF4-4159-9B3E-41C86DFFA30D}" type="datetimeFigureOut">
               <a:rPr lang="en-US" smtClean="0"/>
-              <a:t>27-Nov-15</a:t>
+              <a:t>11/27/15</a:t>
             </a:fld>
             <a:endParaRPr lang="en-US"/>
           </a:p>
@@ -8088,7 +8088,7 @@
           <a:p>
             <a:fld id="{162F1D00-BD13-4404-86B0-79703945A0A7}" type="slidenum">
               <a:rPr lang="en-US" smtClean="0"/>
-              <a:t>‹#›</a:t>
+              <a:t>‹nº›</a:t>
             </a:fld>
             <a:endParaRPr lang="en-US"/>
           </a:p>
@@ -8429,7 +8429,7 @@
           <a:p>
             <a:fld id="{D728701E-CAF4-4159-9B3E-41C86DFFA30D}" type="datetimeFigureOut">
               <a:rPr lang="en-US" smtClean="0"/>
-              <a:t>27-Nov-15</a:t>
+              <a:t>11/27/15</a:t>
             </a:fld>
             <a:endParaRPr lang="en-US"/>
           </a:p>
@@ -8506,7 +8506,7 @@
           <a:p>
             <a:fld id="{162F1D00-BD13-4404-86B0-79703945A0A7}" type="slidenum">
               <a:rPr lang="en-US" smtClean="0"/>
-              <a:t>‹#›</a:t>
+              <a:t>‹nº›</a:t>
             </a:fld>
             <a:endParaRPr lang="en-US"/>
           </a:p>
@@ -9139,14 +9139,14 @@
       </p:grpSpPr>
       <p:pic>
         <p:nvPicPr>
-          <p:cNvPr id="2" name="Imagem 1"/>
+          <p:cNvPr id="4" name="Imagem 3"/>
           <p:cNvPicPr>
             <a:picLocks noChangeAspect="1"/>
           </p:cNvPicPr>
           <p:nvPr/>
         </p:nvPicPr>
         <p:blipFill>
-          <a:blip r:embed="rId2" cstate="email">
+          <a:blip r:embed="rId2">
             <a:extLst>
               <a:ext uri="{28A0092B-C50C-407E-A947-70E740481C1C}">
                 <a14:useLocalDpi xmlns:a14="http://schemas.microsoft.com/office/drawing/2010/main" val="0"/>
@@ -9159,8 +9159,8 @@
         </p:blipFill>
         <p:spPr>
           <a:xfrm>
-            <a:off x="1716741" y="645459"/>
-            <a:ext cx="5369859" cy="5501561"/>
+            <a:off x="601578" y="772026"/>
+            <a:ext cx="7994592" cy="5123447"/>
           </a:xfrm>
           <a:prstGeom prst="rect">
             <a:avLst/>
@@ -9175,8 +9175,8 @@
         </p:nvSpPr>
         <p:spPr>
           <a:xfrm>
-            <a:off x="3688323" y="1012815"/>
-            <a:ext cx="1663606" cy="573937"/>
+            <a:off x="3928954" y="1265478"/>
+            <a:ext cx="1990583" cy="573937"/>
           </a:xfrm>
           <a:prstGeom prst="ellipse">
             <a:avLst/>
@@ -11102,14 +11102,14 @@
       </p:grpSpPr>
       <p:pic>
         <p:nvPicPr>
-          <p:cNvPr id="2" name="Imagem 1"/>
+          <p:cNvPr id="4" name="Imagem 3"/>
           <p:cNvPicPr>
             <a:picLocks noChangeAspect="1"/>
           </p:cNvPicPr>
           <p:nvPr/>
         </p:nvPicPr>
         <p:blipFill>
-          <a:blip r:embed="rId2" cstate="email">
+          <a:blip r:embed="rId2">
             <a:extLst>
               <a:ext uri="{28A0092B-C50C-407E-A947-70E740481C1C}">
                 <a14:useLocalDpi xmlns:a14="http://schemas.microsoft.com/office/drawing/2010/main" val="0"/>
@@ -11122,8 +11122,8 @@
         </p:blipFill>
         <p:spPr>
           <a:xfrm>
-            <a:off x="1730936" y="282387"/>
-            <a:ext cx="5274982" cy="6234069"/>
+            <a:off x="533440" y="910389"/>
+            <a:ext cx="8291537" cy="4696327"/>
           </a:xfrm>
           <a:prstGeom prst="rect">
             <a:avLst/>
@@ -11138,7 +11138,7 @@
         </p:nvSpPr>
         <p:spPr>
           <a:xfrm>
-            <a:off x="1784724" y="3293987"/>
+            <a:off x="906419" y="5303263"/>
             <a:ext cx="292006" cy="264655"/>
           </a:xfrm>
           <a:prstGeom prst="ellipse">
@@ -13083,14 +13083,14 @@
       </p:grpSpPr>
       <p:pic>
         <p:nvPicPr>
-          <p:cNvPr id="2" name="Imagem 1"/>
+          <p:cNvPr id="4" name="Imagem 3"/>
           <p:cNvPicPr>
             <a:picLocks noChangeAspect="1"/>
           </p:cNvPicPr>
           <p:nvPr/>
         </p:nvPicPr>
         <p:blipFill>
-          <a:blip r:embed="rId2" cstate="email">
+          <a:blip r:embed="rId2">
             <a:extLst>
               <a:ext uri="{28A0092B-C50C-407E-A947-70E740481C1C}">
                 <a14:useLocalDpi xmlns:a14="http://schemas.microsoft.com/office/drawing/2010/main" val="0"/>
@@ -13103,8 +13103,8 @@
         </p:blipFill>
         <p:spPr>
           <a:xfrm>
-            <a:off x="1743635" y="497541"/>
-            <a:ext cx="5499438" cy="5634318"/>
+            <a:off x="336884" y="726574"/>
+            <a:ext cx="7385807" cy="3905584"/>
           </a:xfrm>
           <a:prstGeom prst="rect">
             <a:avLst/>
@@ -13119,8 +13119,8 @@
         </p:nvSpPr>
         <p:spPr>
           <a:xfrm>
-            <a:off x="5428878" y="927305"/>
-            <a:ext cx="918134" cy="498084"/>
+            <a:off x="4899488" y="1179967"/>
+            <a:ext cx="779417" cy="444295"/>
           </a:xfrm>
           <a:prstGeom prst="ellipse">
             <a:avLst/>
@@ -13152,6 +13152,106 @@
           <a:p>
             <a:pPr algn="ctr"/>
             <a:endParaRPr lang="pt-PT"/>
+          </a:p>
+        </p:txBody>
+      </p:sp>
+      <p:pic>
+        <p:nvPicPr>
+          <p:cNvPr id="5" name="Imagem 4"/>
+          <p:cNvPicPr>
+            <a:picLocks noChangeAspect="1"/>
+          </p:cNvPicPr>
+          <p:nvPr/>
+        </p:nvPicPr>
+        <p:blipFill>
+          <a:blip r:embed="rId3">
+            <a:extLst>
+              <a:ext uri="{28A0092B-C50C-407E-A947-70E740481C1C}">
+                <a14:useLocalDpi xmlns:a14="http://schemas.microsoft.com/office/drawing/2010/main" val="0"/>
+              </a:ext>
+            </a:extLst>
+          </a:blip>
+          <a:stretch>
+            <a:fillRect/>
+          </a:stretch>
+        </p:blipFill>
+        <p:spPr>
+          <a:xfrm>
+            <a:off x="2887579" y="3346786"/>
+            <a:ext cx="5902013" cy="3186363"/>
+          </a:xfrm>
+          <a:prstGeom prst="rect">
+            <a:avLst/>
+          </a:prstGeom>
+        </p:spPr>
+      </p:pic>
+      <p:sp>
+        <p:nvSpPr>
+          <p:cNvPr id="6" name="CaixaDeTexto 5"/>
+          <p:cNvSpPr txBox="1"/>
+          <p:nvPr/>
+        </p:nvSpPr>
+        <p:spPr>
+          <a:xfrm>
+            <a:off x="433136" y="848582"/>
+            <a:ext cx="309700" cy="369332"/>
+          </a:xfrm>
+          <a:prstGeom prst="rect">
+            <a:avLst/>
+          </a:prstGeom>
+          <a:solidFill>
+            <a:schemeClr val="tx2">
+              <a:lumMod val="50000"/>
+              <a:lumOff val="50000"/>
+            </a:schemeClr>
+          </a:solidFill>
+        </p:spPr>
+        <p:txBody>
+          <a:bodyPr wrap="none" rtlCol="0">
+            <a:spAutoFit/>
+          </a:bodyPr>
+          <a:lstStyle/>
+          <a:p>
+            <a:r>
+              <a:rPr lang="pt-PT" b="1" smtClean="0"/>
+              <a:t>1</a:t>
+            </a:r>
+            <a:endParaRPr lang="pt-PT" b="1"/>
+          </a:p>
+        </p:txBody>
+      </p:sp>
+      <p:sp>
+        <p:nvSpPr>
+          <p:cNvPr id="7" name="CaixaDeTexto 6"/>
+          <p:cNvSpPr txBox="1"/>
+          <p:nvPr/>
+        </p:nvSpPr>
+        <p:spPr>
+          <a:xfrm>
+            <a:off x="2995868" y="3447406"/>
+            <a:ext cx="311304" cy="369332"/>
+          </a:xfrm>
+          <a:prstGeom prst="rect">
+            <a:avLst/>
+          </a:prstGeom>
+          <a:solidFill>
+            <a:schemeClr val="tx2">
+              <a:lumMod val="50000"/>
+              <a:lumOff val="50000"/>
+            </a:schemeClr>
+          </a:solidFill>
+        </p:spPr>
+        <p:txBody>
+          <a:bodyPr wrap="none" rtlCol="0">
+            <a:spAutoFit/>
+          </a:bodyPr>
+          <a:lstStyle/>
+          <a:p>
+            <a:r>
+              <a:rPr lang="pt-PT" b="1" dirty="0" smtClean="0"/>
+              <a:t>2</a:t>
+            </a:r>
+            <a:endParaRPr lang="pt-PT" b="1" dirty="0"/>
           </a:p>
         </p:txBody>
       </p:sp>
@@ -13456,8 +13556,8 @@
         </p:nvSpPr>
         <p:spPr>
           <a:xfrm>
-            <a:off x="498472" y="1846730"/>
-            <a:ext cx="7556313" cy="4535019"/>
+            <a:off x="498472" y="2330823"/>
+            <a:ext cx="7556313" cy="4050926"/>
           </a:xfrm>
           <a:prstGeom prst="rect">
             <a:avLst/>
@@ -13762,27 +13862,11 @@
             </a:pPr>
             <a:r>
               <a:rPr lang="pt-BR" sz="1400" b="1" dirty="0" smtClean="0"/>
-              <a:t>Botões para alterar o </a:t>
-            </a:r>
-            <a:r>
-              <a:rPr lang="pt-BR" sz="1400" b="1" dirty="0"/>
-              <a:t>tamanho de letra não </a:t>
+              <a:t>Na </a:t>
             </a:r>
             <a:r>
               <a:rPr lang="pt-BR" sz="1400" b="1" dirty="0" smtClean="0"/>
-              <a:t>são entendidos como tal.</a:t>
-            </a:r>
-            <a:endParaRPr lang="pt-BR" sz="1400" b="1" dirty="0"/>
-          </a:p>
-          <a:p>
-            <a:pPr>
-              <a:spcBef>
-                <a:spcPts val="1800"/>
-              </a:spcBef>
-            </a:pPr>
-            <a:r>
-              <a:rPr lang="pt-BR" sz="1400" b="1" dirty="0" smtClean="0"/>
-              <a:t>Na página de </a:t>
+              <a:t>página de </a:t>
             </a:r>
             <a:r>
               <a:rPr lang="pt-BR" sz="1400" b="1" dirty="0"/>
@@ -14571,13 +14655,13 @@
           <p:nvPr>
             <p:extLst>
               <p:ext uri="{D42A27DB-BD31-4B8C-83A1-F6EECF244321}">
-                <p14:modId xmlns:p14="http://schemas.microsoft.com/office/powerpoint/2010/main" val="2854121047"/>
+                <p14:modId xmlns:p14="http://schemas.microsoft.com/office/powerpoint/2010/main" val="286093516"/>
               </p:ext>
             </p:extLst>
           </p:nvPr>
         </p:nvGraphicFramePr>
         <p:xfrm>
-          <a:off x="801916" y="2972102"/>
+          <a:off x="825980" y="3176639"/>
           <a:ext cx="7127796" cy="3291840"/>
         </p:xfrm>
         <a:graphic>
@@ -15914,131 +15998,6 @@
           <a:chExt cx="0" cy="0"/>
         </a:xfrm>
       </p:grpSpPr>
-      <p:pic>
-        <p:nvPicPr>
-          <p:cNvPr id="3" name="Imagem 2"/>
-          <p:cNvPicPr>
-            <a:picLocks noChangeAspect="1"/>
-          </p:cNvPicPr>
-          <p:nvPr/>
-        </p:nvPicPr>
-        <p:blipFill>
-          <a:blip r:embed="rId2" cstate="email">
-            <a:extLst>
-              <a:ext uri="{28A0092B-C50C-407E-A947-70E740481C1C}">
-                <a14:useLocalDpi xmlns:a14="http://schemas.microsoft.com/office/drawing/2010/main" val="0"/>
-              </a:ext>
-            </a:extLst>
-          </a:blip>
-          <a:stretch>
-            <a:fillRect/>
-          </a:stretch>
-        </p:blipFill>
-        <p:spPr>
-          <a:xfrm>
-            <a:off x="345141" y="403412"/>
-            <a:ext cx="4105835" cy="4206535"/>
-          </a:xfrm>
-          <a:prstGeom prst="rect">
-            <a:avLst/>
-          </a:prstGeom>
-        </p:spPr>
-      </p:pic>
-      <p:pic>
-        <p:nvPicPr>
-          <p:cNvPr id="7" name="Imagem 6"/>
-          <p:cNvPicPr>
-            <a:picLocks noChangeAspect="1"/>
-          </p:cNvPicPr>
-          <p:nvPr/>
-        </p:nvPicPr>
-        <p:blipFill>
-          <a:blip r:embed="rId3" cstate="email">
-            <a:extLst>
-              <a:ext uri="{28A0092B-C50C-407E-A947-70E740481C1C}">
-                <a14:useLocalDpi xmlns:a14="http://schemas.microsoft.com/office/drawing/2010/main" val="0"/>
-              </a:ext>
-            </a:extLst>
-          </a:blip>
-          <a:stretch>
-            <a:fillRect/>
-          </a:stretch>
-        </p:blipFill>
-        <p:spPr>
-          <a:xfrm>
-            <a:off x="4921624" y="403412"/>
-            <a:ext cx="4025152" cy="4123873"/>
-          </a:xfrm>
-          <a:prstGeom prst="rect">
-            <a:avLst/>
-          </a:prstGeom>
-        </p:spPr>
-      </p:pic>
-      <p:pic>
-        <p:nvPicPr>
-          <p:cNvPr id="2" name="Imagem 1"/>
-          <p:cNvPicPr>
-            <a:picLocks noChangeAspect="1"/>
-          </p:cNvPicPr>
-          <p:nvPr/>
-        </p:nvPicPr>
-        <p:blipFill>
-          <a:blip r:embed="rId4" cstate="email">
-            <a:extLst>
-              <a:ext uri="{28A0092B-C50C-407E-A947-70E740481C1C}">
-                <a14:useLocalDpi xmlns:a14="http://schemas.microsoft.com/office/drawing/2010/main" val="0"/>
-              </a:ext>
-            </a:extLst>
-          </a:blip>
-          <a:stretch>
-            <a:fillRect/>
-          </a:stretch>
-        </p:blipFill>
-        <p:spPr>
-          <a:xfrm>
-            <a:off x="2259076" y="2017058"/>
-            <a:ext cx="4383800" cy="4491318"/>
-          </a:xfrm>
-          <a:prstGeom prst="rect">
-            <a:avLst/>
-          </a:prstGeom>
-        </p:spPr>
-      </p:pic>
-      <p:sp>
-        <p:nvSpPr>
-          <p:cNvPr id="4" name="CaixaDeTexto 3"/>
-          <p:cNvSpPr txBox="1"/>
-          <p:nvPr/>
-        </p:nvSpPr>
-        <p:spPr>
-          <a:xfrm>
-            <a:off x="457200" y="403412"/>
-            <a:ext cx="309700" cy="369332"/>
-          </a:xfrm>
-          <a:prstGeom prst="rect">
-            <a:avLst/>
-          </a:prstGeom>
-          <a:solidFill>
-            <a:schemeClr val="tx2">
-              <a:lumMod val="50000"/>
-              <a:lumOff val="50000"/>
-            </a:schemeClr>
-          </a:solidFill>
-        </p:spPr>
-        <p:txBody>
-          <a:bodyPr wrap="none" rtlCol="0">
-            <a:spAutoFit/>
-          </a:bodyPr>
-          <a:lstStyle/>
-          <a:p>
-            <a:r>
-              <a:rPr lang="pt-PT" b="1" smtClean="0"/>
-              <a:t>1</a:t>
-            </a:r>
-            <a:endParaRPr lang="pt-PT" b="1"/>
-          </a:p>
-        </p:txBody>
-      </p:sp>
       <p:sp>
         <p:nvSpPr>
           <p:cNvPr id="6" name="CaixaDeTexto 5"/>
@@ -16073,41 +16032,36 @@
           </a:p>
         </p:txBody>
       </p:sp>
-      <p:sp>
-        <p:nvSpPr>
-          <p:cNvPr id="8" name="CaixaDeTexto 7"/>
-          <p:cNvSpPr txBox="1"/>
+      <p:pic>
+        <p:nvPicPr>
+          <p:cNvPr id="5" name="Imagem 4"/>
+          <p:cNvPicPr>
+            <a:picLocks noChangeAspect="1"/>
+          </p:cNvPicPr>
           <p:nvPr/>
-        </p:nvSpPr>
+        </p:nvPicPr>
+        <p:blipFill>
+          <a:blip r:embed="rId2">
+            <a:extLst>
+              <a:ext uri="{28A0092B-C50C-407E-A947-70E740481C1C}">
+                <a14:useLocalDpi xmlns:a14="http://schemas.microsoft.com/office/drawing/2010/main" val="0"/>
+              </a:ext>
+            </a:extLst>
+          </a:blip>
+          <a:stretch>
+            <a:fillRect/>
+          </a:stretch>
+        </p:blipFill>
         <p:spPr>
           <a:xfrm>
-            <a:off x="5079970" y="525634"/>
-            <a:ext cx="311304" cy="369332"/>
+            <a:off x="139885" y="394129"/>
+            <a:ext cx="6016513" cy="3855767"/>
           </a:xfrm>
           <a:prstGeom prst="rect">
             <a:avLst/>
           </a:prstGeom>
-          <a:solidFill>
-            <a:schemeClr val="tx2">
-              <a:lumMod val="50000"/>
-              <a:lumOff val="50000"/>
-            </a:schemeClr>
-          </a:solidFill>
         </p:spPr>
-        <p:txBody>
-          <a:bodyPr wrap="none" rtlCol="0">
-            <a:spAutoFit/>
-          </a:bodyPr>
-          <a:lstStyle/>
-          <a:p>
-            <a:r>
-              <a:rPr lang="pt-PT" b="1" dirty="0" smtClean="0"/>
-              <a:t>3</a:t>
-            </a:r>
-            <a:endParaRPr lang="pt-PT" b="1" dirty="0"/>
-          </a:p>
-        </p:txBody>
-      </p:sp>
+      </p:pic>
       <p:sp>
         <p:nvSpPr>
           <p:cNvPr id="9" name="Oval 8"/>
@@ -16116,7 +16070,7 @@
         </p:nvSpPr>
         <p:spPr>
           <a:xfrm>
-            <a:off x="3718111" y="710300"/>
+            <a:off x="4820892" y="779964"/>
             <a:ext cx="692524" cy="399084"/>
           </a:xfrm>
           <a:prstGeom prst="ellipse">
@@ -16154,58 +16108,113 @@
       </p:sp>
       <p:sp>
         <p:nvSpPr>
+          <p:cNvPr id="4" name="CaixaDeTexto 3"/>
+          <p:cNvSpPr txBox="1"/>
+          <p:nvPr/>
+        </p:nvSpPr>
+        <p:spPr>
+          <a:xfrm>
+            <a:off x="240327" y="501584"/>
+            <a:ext cx="313123" cy="369332"/>
+          </a:xfrm>
+          <a:prstGeom prst="rect">
+            <a:avLst/>
+          </a:prstGeom>
+          <a:solidFill>
+            <a:schemeClr val="tx2">
+              <a:lumMod val="50000"/>
+              <a:lumOff val="50000"/>
+            </a:schemeClr>
+          </a:solidFill>
+        </p:spPr>
+        <p:txBody>
+          <a:bodyPr wrap="square" rtlCol="0">
+            <a:spAutoFit/>
+          </a:bodyPr>
+          <a:lstStyle/>
+          <a:p>
+            <a:r>
+              <a:rPr lang="pt-PT" b="1" smtClean="0"/>
+              <a:t>1</a:t>
+            </a:r>
+            <a:endParaRPr lang="pt-PT" b="1"/>
+          </a:p>
+        </p:txBody>
+      </p:sp>
+      <p:pic>
+        <p:nvPicPr>
+          <p:cNvPr id="12" name="Imagem 11"/>
+          <p:cNvPicPr>
+            <a:picLocks noChangeAspect="1"/>
+          </p:cNvPicPr>
+          <p:nvPr/>
+        </p:nvPicPr>
+        <p:blipFill>
+          <a:blip r:embed="rId3">
+            <a:extLst>
+              <a:ext uri="{28A0092B-C50C-407E-A947-70E740481C1C}">
+                <a14:useLocalDpi xmlns:a14="http://schemas.microsoft.com/office/drawing/2010/main" val="0"/>
+              </a:ext>
+            </a:extLst>
+          </a:blip>
+          <a:stretch>
+            <a:fillRect/>
+          </a:stretch>
+        </p:blipFill>
+        <p:spPr>
+          <a:xfrm>
+            <a:off x="2527234" y="2506679"/>
+            <a:ext cx="6244495" cy="4055333"/>
+          </a:xfrm>
+          <a:prstGeom prst="rect">
+            <a:avLst/>
+          </a:prstGeom>
+        </p:spPr>
+      </p:pic>
+      <p:sp>
+        <p:nvSpPr>
+          <p:cNvPr id="8" name="CaixaDeTexto 7"/>
+          <p:cNvSpPr txBox="1"/>
+          <p:nvPr/>
+        </p:nvSpPr>
+        <p:spPr>
+          <a:xfrm>
+            <a:off x="2697708" y="2607102"/>
+            <a:ext cx="311304" cy="369332"/>
+          </a:xfrm>
+          <a:prstGeom prst="rect">
+            <a:avLst/>
+          </a:prstGeom>
+          <a:solidFill>
+            <a:schemeClr val="tx2">
+              <a:lumMod val="50000"/>
+              <a:lumOff val="50000"/>
+            </a:schemeClr>
+          </a:solidFill>
+        </p:spPr>
+        <p:txBody>
+          <a:bodyPr wrap="none" rtlCol="0">
+            <a:spAutoFit/>
+          </a:bodyPr>
+          <a:lstStyle/>
+          <a:p>
+            <a:r>
+              <a:rPr lang="pt-PT" b="1" dirty="0"/>
+              <a:t>2</a:t>
+            </a:r>
+          </a:p>
+        </p:txBody>
+      </p:sp>
+      <p:sp>
+        <p:nvSpPr>
           <p:cNvPr id="10" name="Oval 9"/>
           <p:cNvSpPr/>
           <p:nvPr/>
         </p:nvSpPr>
         <p:spPr>
           <a:xfrm>
-            <a:off x="4091266" y="5604197"/>
-            <a:ext cx="830358" cy="590522"/>
-          </a:xfrm>
-          <a:prstGeom prst="ellipse">
-            <a:avLst/>
-          </a:prstGeom>
-          <a:noFill/>
-          <a:ln w="38100">
-            <a:solidFill>
-              <a:srgbClr val="C00000"/>
-            </a:solidFill>
-          </a:ln>
-        </p:spPr>
-        <p:style>
-          <a:lnRef idx="1">
-            <a:schemeClr val="accent1"/>
-          </a:lnRef>
-          <a:fillRef idx="3">
-            <a:schemeClr val="accent1"/>
-          </a:fillRef>
-          <a:effectRef idx="2">
-            <a:schemeClr val="accent1"/>
-          </a:effectRef>
-          <a:fontRef idx="minor">
-            <a:schemeClr val="lt1"/>
-          </a:fontRef>
-        </p:style>
-        <p:txBody>
-          <a:bodyPr rtlCol="0" anchor="ctr"/>
-          <a:lstStyle/>
-          <a:p>
-            <a:pPr algn="ctr"/>
-            <a:endParaRPr lang="pt-PT"/>
-          </a:p>
-        </p:txBody>
-      </p:sp>
-      <p:sp>
-        <p:nvSpPr>
-          <p:cNvPr id="11" name="Oval 10"/>
-          <p:cNvSpPr/>
-          <p:nvPr/>
-        </p:nvSpPr>
-        <p:spPr>
-          <a:xfrm>
-            <a:off x="7544919" y="1057392"/>
-            <a:ext cx="477372" cy="184666"/>
+            <a:off x="3196269" y="5943598"/>
+            <a:ext cx="830358" cy="382751"/>
           </a:xfrm>
           <a:prstGeom prst="ellipse">
             <a:avLst/>
@@ -17946,14 +17955,14 @@
       </p:grpSpPr>
       <p:pic>
         <p:nvPicPr>
-          <p:cNvPr id="3" name="Imagem 2"/>
+          <p:cNvPr id="2" name="Imagem 1"/>
           <p:cNvPicPr>
             <a:picLocks noChangeAspect="1"/>
           </p:cNvPicPr>
           <p:nvPr/>
         </p:nvPicPr>
         <p:blipFill>
-          <a:blip r:embed="rId2" cstate="email">
+          <a:blip r:embed="rId2">
             <a:extLst>
               <a:ext uri="{28A0092B-C50C-407E-A947-70E740481C1C}">
                 <a14:useLocalDpi xmlns:a14="http://schemas.microsoft.com/office/drawing/2010/main" val="0"/>
@@ -17966,8 +17975,8 @@
         </p:blipFill>
         <p:spPr>
           <a:xfrm>
-            <a:off x="1878853" y="466233"/>
-            <a:ext cx="5032935" cy="5948014"/>
+            <a:off x="553452" y="1006641"/>
+            <a:ext cx="8270294" cy="4684295"/>
           </a:xfrm>
           <a:prstGeom prst="rect">
             <a:avLst/>
@@ -17982,8 +17991,8 @@
         </p:nvSpPr>
         <p:spPr>
           <a:xfrm>
-            <a:off x="5140606" y="1819639"/>
-            <a:ext cx="937465" cy="345338"/>
+            <a:off x="5465458" y="2826988"/>
+            <a:ext cx="1440668" cy="606024"/>
           </a:xfrm>
           <a:prstGeom prst="ellipse">
             <a:avLst/>
@@ -19702,14 +19711,14 @@
       </p:grpSpPr>
       <p:pic>
         <p:nvPicPr>
-          <p:cNvPr id="2" name="Imagem 1"/>
+          <p:cNvPr id="8" name="Imagem 7"/>
           <p:cNvPicPr>
             <a:picLocks noChangeAspect="1"/>
           </p:cNvPicPr>
           <p:nvPr/>
         </p:nvPicPr>
         <p:blipFill>
-          <a:blip r:embed="rId2" cstate="email">
+          <a:blip r:embed="rId2">
             <a:extLst>
               <a:ext uri="{28A0092B-C50C-407E-A947-70E740481C1C}">
                 <a14:useLocalDpi xmlns:a14="http://schemas.microsoft.com/office/drawing/2010/main" val="0"/>
@@ -19722,44 +19731,14 @@
         </p:blipFill>
         <p:spPr>
           <a:xfrm>
-            <a:off x="336177" y="338431"/>
-            <a:ext cx="4591602" cy="4704216"/>
+            <a:off x="263595" y="296612"/>
+            <a:ext cx="6661639" cy="4269205"/>
           </a:xfrm>
           <a:prstGeom prst="rect">
             <a:avLst/>
           </a:prstGeom>
         </p:spPr>
       </p:pic>
-      <p:pic>
-        <p:nvPicPr>
-          <p:cNvPr id="3" name="Imagem 2"/>
-          <p:cNvPicPr>
-            <a:picLocks noChangeAspect="1"/>
-          </p:cNvPicPr>
-          <p:nvPr/>
-        </p:nvPicPr>
-        <p:blipFill>
-          <a:blip r:embed="rId3" cstate="email">
-            <a:extLst>
-              <a:ext uri="{28A0092B-C50C-407E-A947-70E740481C1C}">
-                <a14:useLocalDpi xmlns:a14="http://schemas.microsoft.com/office/drawing/2010/main" val="0"/>
-              </a:ext>
-            </a:extLst>
-          </a:blip>
-          <a:stretch>
-            <a:fillRect/>
-          </a:stretch>
-        </p:blipFill>
-        <p:spPr>
-          <a:xfrm>
-            <a:off x="4130188" y="1949823"/>
-            <a:ext cx="4529718" cy="4640814"/>
-          </a:xfrm>
-          <a:prstGeom prst="rect">
-            <a:avLst/>
-          </a:prstGeom>
-        </p:spPr>
-      </p:pic>
       <p:sp>
         <p:nvSpPr>
           <p:cNvPr id="4" name="CaixaDeTexto 3"/>
@@ -19768,7 +19747,7 @@
         </p:nvSpPr>
         <p:spPr>
           <a:xfrm>
-            <a:off x="457200" y="403412"/>
+            <a:off x="385011" y="367316"/>
             <a:ext cx="309700" cy="369332"/>
           </a:xfrm>
           <a:prstGeom prst="rect">
@@ -19797,48 +19776,13 @@
       </p:sp>
       <p:sp>
         <p:nvSpPr>
-          <p:cNvPr id="5" name="CaixaDeTexto 4"/>
-          <p:cNvSpPr txBox="1"/>
-          <p:nvPr/>
-        </p:nvSpPr>
-        <p:spPr>
-          <a:xfrm>
-            <a:off x="4267200" y="2061883"/>
-            <a:ext cx="309700" cy="369332"/>
-          </a:xfrm>
-          <a:prstGeom prst="rect">
-            <a:avLst/>
-          </a:prstGeom>
-          <a:solidFill>
-            <a:schemeClr val="tx2">
-              <a:lumMod val="50000"/>
-              <a:lumOff val="50000"/>
-            </a:schemeClr>
-          </a:solidFill>
-        </p:spPr>
-        <p:txBody>
-          <a:bodyPr wrap="none" rtlCol="0">
-            <a:spAutoFit/>
-          </a:bodyPr>
-          <a:lstStyle/>
-          <a:p>
-            <a:r>
-              <a:rPr lang="pt-PT" b="1" dirty="0" smtClean="0"/>
-              <a:t>2</a:t>
-            </a:r>
-            <a:endParaRPr lang="pt-PT" b="1" dirty="0"/>
-          </a:p>
-        </p:txBody>
-      </p:sp>
-      <p:sp>
-        <p:nvSpPr>
           <p:cNvPr id="6" name="Oval 5"/>
           <p:cNvSpPr/>
           <p:nvPr/>
         </p:nvSpPr>
         <p:spPr>
           <a:xfrm>
-            <a:off x="3398860" y="705509"/>
+            <a:off x="4612995" y="736648"/>
             <a:ext cx="868340" cy="406638"/>
           </a:xfrm>
           <a:prstGeom prst="ellipse">
@@ -19874,6 +19818,36 @@
           </a:p>
         </p:txBody>
       </p:sp>
+      <p:pic>
+        <p:nvPicPr>
+          <p:cNvPr id="9" name="Imagem 8"/>
+          <p:cNvPicPr>
+            <a:picLocks noChangeAspect="1"/>
+          </p:cNvPicPr>
+          <p:nvPr/>
+        </p:nvPicPr>
+        <p:blipFill>
+          <a:blip r:embed="rId3">
+            <a:extLst>
+              <a:ext uri="{28A0092B-C50C-407E-A947-70E740481C1C}">
+                <a14:useLocalDpi xmlns:a14="http://schemas.microsoft.com/office/drawing/2010/main" val="0"/>
+              </a:ext>
+            </a:extLst>
+          </a:blip>
+          <a:stretch>
+            <a:fillRect/>
+          </a:stretch>
+        </p:blipFill>
+        <p:spPr>
+          <a:xfrm>
+            <a:off x="2081959" y="2717456"/>
+            <a:ext cx="6798752" cy="3696721"/>
+          </a:xfrm>
+          <a:prstGeom prst="rect">
+            <a:avLst/>
+          </a:prstGeom>
+        </p:spPr>
+      </p:pic>
       <p:sp>
         <p:nvSpPr>
           <p:cNvPr id="7" name="Oval 6"/>
@@ -19882,8 +19856,8 @@
         </p:nvSpPr>
         <p:spPr>
           <a:xfrm>
-            <a:off x="5974323" y="3890485"/>
-            <a:ext cx="950911" cy="573937"/>
+            <a:off x="2615749" y="4733288"/>
+            <a:ext cx="950911" cy="445188"/>
           </a:xfrm>
           <a:prstGeom prst="ellipse">
             <a:avLst/>
@@ -19915,6 +19889,41 @@
           <a:p>
             <a:pPr algn="ctr"/>
             <a:endParaRPr lang="pt-PT"/>
+          </a:p>
+        </p:txBody>
+      </p:sp>
+      <p:sp>
+        <p:nvSpPr>
+          <p:cNvPr id="5" name="CaixaDeTexto 4"/>
+          <p:cNvSpPr txBox="1"/>
+          <p:nvPr/>
+        </p:nvSpPr>
+        <p:spPr>
+          <a:xfrm>
+            <a:off x="2306049" y="2916125"/>
+            <a:ext cx="309700" cy="369332"/>
+          </a:xfrm>
+          <a:prstGeom prst="rect">
+            <a:avLst/>
+          </a:prstGeom>
+          <a:solidFill>
+            <a:schemeClr val="tx2">
+              <a:lumMod val="50000"/>
+              <a:lumOff val="50000"/>
+            </a:schemeClr>
+          </a:solidFill>
+        </p:spPr>
+        <p:txBody>
+          <a:bodyPr wrap="none" rtlCol="0">
+            <a:spAutoFit/>
+          </a:bodyPr>
+          <a:lstStyle/>
+          <a:p>
+            <a:r>
+              <a:rPr lang="pt-PT" b="1" dirty="0" smtClean="0"/>
+              <a:t>2</a:t>
+            </a:r>
+            <a:endParaRPr lang="pt-PT" b="1" dirty="0"/>
           </a:p>
         </p:txBody>
       </p:sp>
@@ -22128,7 +22137,7 @@
   <a:extraClrSchemeLst/>
   <a:extLst>
     <a:ext uri="{05A4C25C-085E-4340-85A3-A5531E510DB2}">
-      <thm15:themeFamily xmlns="" xmlns:thm15="http://schemas.microsoft.com/office/thememl/2012/main" name="Office Theme" id="{62F939B6-93AF-4DB8-9C6B-D6C7DFDC589F}" vid="{4A3C46E8-61CC-4603-A589-7422A47A8E4A}"/>
+      <thm15:themeFamily xmlns:thm15="http://schemas.microsoft.com/office/thememl/2012/main" name="Office Theme" id="{62F939B6-93AF-4DB8-9C6B-D6C7DFDC589F}" vid="{4A3C46E8-61CC-4603-A589-7422A47A8E4A}"/>
     </a:ext>
   </a:extLst>
 </a:theme>
